--- a/data/misc/2021/nycu_clerk/20211220 Cardiovascular Events with Finerenone in Kidney Disease and Type 2 Diabetes.pptx
+++ b/data/misc/2021/nycu_clerk/20211220 Cardiovascular Events with Finerenone in Kidney Disease and Type 2 Diabetes.pptx
@@ -25227,8 +25227,8 @@
         </p:nvSpPr>
         <p:spPr>
           <a:xfrm>
-            <a:off x="262890" y="2289866"/>
-            <a:ext cx="5820919" cy="544774"/>
+            <a:off x="3226421" y="2289866"/>
+            <a:ext cx="728546" cy="544774"/>
           </a:xfrm>
           <a:prstGeom prst="rect">
             <a:avLst/>
@@ -26132,58 +26132,6 @@
       </p:pic>
       <p:sp>
         <p:nvSpPr>
-          <p:cNvPr id="8" name="矩形 7">
-            <a:extLst>
-              <a:ext uri="{FF2B5EF4-FFF2-40B4-BE49-F238E27FC236}">
-                <a16:creationId xmlns:a16="http://schemas.microsoft.com/office/drawing/2014/main" id="{BE16FC42-4912-4070-A242-61DEA8597989}"/>
-              </a:ext>
-            </a:extLst>
-          </p:cNvPr>
-          <p:cNvSpPr/>
-          <p:nvPr/>
-        </p:nvSpPr>
-        <p:spPr>
-          <a:xfrm>
-            <a:off x="262890" y="2289866"/>
-            <a:ext cx="5820919" cy="544774"/>
-          </a:xfrm>
-          <a:prstGeom prst="rect">
-            <a:avLst/>
-          </a:prstGeom>
-          <a:noFill/>
-          <a:ln>
-            <a:solidFill>
-              <a:srgbClr val="FF0000"/>
-            </a:solidFill>
-          </a:ln>
-        </p:spPr>
-        <p:style>
-          <a:lnRef idx="2">
-            <a:schemeClr val="accent1">
-              <a:shade val="50000"/>
-            </a:schemeClr>
-          </a:lnRef>
-          <a:fillRef idx="1">
-            <a:schemeClr val="accent1"/>
-          </a:fillRef>
-          <a:effectRef idx="0">
-            <a:schemeClr val="accent1"/>
-          </a:effectRef>
-          <a:fontRef idx="minor">
-            <a:schemeClr val="lt1"/>
-          </a:fontRef>
-        </p:style>
-        <p:txBody>
-          <a:bodyPr rtlCol="0" anchor="ctr"/>
-          <a:lstStyle/>
-          <a:p>
-            <a:pPr algn="ctr"/>
-            <a:endParaRPr lang="zh-TW" altLang="en-US"/>
-          </a:p>
-        </p:txBody>
-      </p:sp>
-      <p:sp>
-        <p:nvSpPr>
           <p:cNvPr id="9" name="矩形 8">
             <a:extLst>
               <a:ext uri="{FF2B5EF4-FFF2-40B4-BE49-F238E27FC236}">
@@ -26300,8 +26248,8 @@
         </p:nvSpPr>
         <p:spPr>
           <a:xfrm>
-            <a:off x="262890" y="2101290"/>
-            <a:ext cx="5820919" cy="164804"/>
+            <a:off x="5080191" y="2101290"/>
+            <a:ext cx="648000" cy="164804"/>
           </a:xfrm>
           <a:prstGeom prst="rect">
             <a:avLst/>
@@ -27006,6 +26954,58 @@
           </p:sp>
         </mc:Fallback>
       </mc:AlternateContent>
+      <p:sp>
+        <p:nvSpPr>
+          <p:cNvPr id="18" name="矩形 17">
+            <a:extLst>
+              <a:ext uri="{FF2B5EF4-FFF2-40B4-BE49-F238E27FC236}">
+                <a16:creationId xmlns:a16="http://schemas.microsoft.com/office/drawing/2014/main" id="{489BCB70-7A87-41E0-9A9B-418ABA4585AD}"/>
+              </a:ext>
+            </a:extLst>
+          </p:cNvPr>
+          <p:cNvSpPr/>
+          <p:nvPr/>
+        </p:nvSpPr>
+        <p:spPr>
+          <a:xfrm>
+            <a:off x="3226421" y="2289866"/>
+            <a:ext cx="728546" cy="544774"/>
+          </a:xfrm>
+          <a:prstGeom prst="rect">
+            <a:avLst/>
+          </a:prstGeom>
+          <a:noFill/>
+          <a:ln>
+            <a:solidFill>
+              <a:srgbClr val="FF0000"/>
+            </a:solidFill>
+          </a:ln>
+        </p:spPr>
+        <p:style>
+          <a:lnRef idx="2">
+            <a:schemeClr val="accent1">
+              <a:shade val="50000"/>
+            </a:schemeClr>
+          </a:lnRef>
+          <a:fillRef idx="1">
+            <a:schemeClr val="accent1"/>
+          </a:fillRef>
+          <a:effectRef idx="0">
+            <a:schemeClr val="accent1"/>
+          </a:effectRef>
+          <a:fontRef idx="minor">
+            <a:schemeClr val="lt1"/>
+          </a:fontRef>
+        </p:style>
+        <p:txBody>
+          <a:bodyPr rtlCol="0" anchor="ctr"/>
+          <a:lstStyle/>
+          <a:p>
+            <a:pPr algn="ctr"/>
+            <a:endParaRPr lang="zh-TW" altLang="en-US"/>
+          </a:p>
+        </p:txBody>
+      </p:sp>
     </p:spTree>
     <p:extLst>
       <p:ext uri="{BB962C8B-B14F-4D97-AF65-F5344CB8AC3E}">
@@ -27189,7 +27189,7 @@
           <a:noFill/>
           <a:ln>
             <a:solidFill>
-              <a:srgbClr val="FF0000"/>
+              <a:schemeClr val="accent5"/>
             </a:solidFill>
           </a:ln>
         </p:spPr>
@@ -27241,7 +27241,7 @@
           <a:noFill/>
           <a:ln>
             <a:solidFill>
-              <a:schemeClr val="accent5"/>
+              <a:srgbClr val="FF0000"/>
             </a:solidFill>
           </a:ln>
         </p:spPr>
